--- a/iPad Restaurant Application_ Menus4U.pptx
+++ b/iPad Restaurant Application_ Menus4U.pptx
@@ -22,23 +22,24 @@
     <p:sldId id="267" r:id="rId17"/>
     <p:sldId id="268" r:id="rId18"/>
     <p:sldId id="269" r:id="rId19"/>
+    <p:sldId id="270" r:id="rId20"/>
   </p:sldIdLst>
   <p:sldSz cy="5143500" cx="9144000"/>
   <p:notesSz cx="6858000" cy="9144000"/>
   <p:embeddedFontLst>
     <p:embeddedFont>
       <p:font typeface="Montserrat"/>
-      <p:regular r:id="rId20"/>
-      <p:bold r:id="rId21"/>
-      <p:italic r:id="rId22"/>
-      <p:boldItalic r:id="rId23"/>
+      <p:regular r:id="rId21"/>
+      <p:bold r:id="rId22"/>
+      <p:italic r:id="rId23"/>
+      <p:boldItalic r:id="rId24"/>
     </p:embeddedFont>
     <p:embeddedFont>
       <p:font typeface="Lato"/>
-      <p:regular r:id="rId24"/>
-      <p:bold r:id="rId25"/>
-      <p:italic r:id="rId26"/>
-      <p:boldItalic r:id="rId27"/>
+      <p:regular r:id="rId25"/>
+      <p:bold r:id="rId26"/>
+      <p:italic r:id="rId27"/>
+      <p:boldItalic r:id="rId28"/>
     </p:embeddedFont>
   </p:embeddedFontLst>
   <p:defaultTextStyle>
@@ -833,7 +834,7 @@
       </p:grpSpPr>
       <p:sp>
         <p:nvSpPr>
-          <p:cNvPr id="191" name="Google Shape;191;g71f3fec9f1_0_10:notes"/>
+          <p:cNvPr id="191" name="Google Shape;191;g71f3fec9f1_0_5:notes"/>
           <p:cNvSpPr/>
           <p:nvPr>
             <p:ph idx="2" type="sldImg"/>
@@ -868,7 +869,7 @@
       </p:sp>
       <p:sp>
         <p:nvSpPr>
-          <p:cNvPr id="192" name="Google Shape;192;g71f3fec9f1_0_10:notes"/>
+          <p:cNvPr id="192" name="Google Shape;192;g71f3fec9f1_0_5:notes"/>
           <p:cNvSpPr txBox="1"/>
           <p:nvPr>
             <p:ph idx="1" type="body"/>
@@ -932,7 +933,7 @@
       </p:grpSpPr>
       <p:sp>
         <p:nvSpPr>
-          <p:cNvPr id="197" name="Google Shape;197;g71f3fec9f1_0_15:notes"/>
+          <p:cNvPr id="197" name="Google Shape;197;g71f3fec9f1_0_10:notes"/>
           <p:cNvSpPr/>
           <p:nvPr>
             <p:ph idx="2" type="sldImg"/>
@@ -967,7 +968,7 @@
       </p:sp>
       <p:sp>
         <p:nvSpPr>
-          <p:cNvPr id="198" name="Google Shape;198;g71f3fec9f1_0_15:notes"/>
+          <p:cNvPr id="198" name="Google Shape;198;g71f3fec9f1_0_10:notes"/>
           <p:cNvSpPr txBox="1"/>
           <p:nvPr>
             <p:ph idx="1" type="body"/>
@@ -1031,7 +1032,7 @@
       </p:grpSpPr>
       <p:sp>
         <p:nvSpPr>
-          <p:cNvPr id="203" name="Google Shape;203;g81c77c81e7_0_150:notes"/>
+          <p:cNvPr id="203" name="Google Shape;203;g71f3fec9f1_0_15:notes"/>
           <p:cNvSpPr/>
           <p:nvPr>
             <p:ph idx="2" type="sldImg"/>
@@ -1066,7 +1067,7 @@
       </p:sp>
       <p:sp>
         <p:nvSpPr>
-          <p:cNvPr id="204" name="Google Shape;204;g81c77c81e7_0_150:notes"/>
+          <p:cNvPr id="204" name="Google Shape;204;g71f3fec9f1_0_15:notes"/>
           <p:cNvSpPr txBox="1"/>
           <p:nvPr>
             <p:ph idx="1" type="body"/>
@@ -1116,7 +1117,7 @@
   <p:cSld>
     <p:spTree>
       <p:nvGrpSpPr>
-        <p:cNvPr id="209" name="Shape 209"/>
+        <p:cNvPr id="208" name="Shape 208"/>
         <p:cNvGrpSpPr/>
         <p:nvPr/>
       </p:nvGrpSpPr>
@@ -1130,7 +1131,7 @@
       </p:grpSpPr>
       <p:sp>
         <p:nvSpPr>
-          <p:cNvPr id="210" name="Google Shape;210;g71f3fec9f1_1_6:notes"/>
+          <p:cNvPr id="209" name="Google Shape;209;g81c77c81e7_0_150:notes"/>
           <p:cNvSpPr/>
           <p:nvPr>
             <p:ph idx="2" type="sldImg"/>
@@ -1165,7 +1166,7 @@
       </p:sp>
       <p:sp>
         <p:nvSpPr>
-          <p:cNvPr id="211" name="Google Shape;211;g71f3fec9f1_1_6:notes"/>
+          <p:cNvPr id="210" name="Google Shape;210;g81c77c81e7_0_150:notes"/>
           <p:cNvSpPr txBox="1"/>
           <p:nvPr>
             <p:ph idx="1" type="body"/>
@@ -1229,7 +1230,7 @@
       </p:grpSpPr>
       <p:sp>
         <p:nvSpPr>
-          <p:cNvPr id="216" name="Google Shape;216;g71f3fec9f1_1_0:notes"/>
+          <p:cNvPr id="216" name="Google Shape;216;g71f3fec9f1_1_6:notes"/>
           <p:cNvSpPr/>
           <p:nvPr>
             <p:ph idx="2" type="sldImg"/>
@@ -1264,7 +1265,106 @@
       </p:sp>
       <p:sp>
         <p:nvSpPr>
-          <p:cNvPr id="217" name="Google Shape;217;g71f3fec9f1_1_0:notes"/>
+          <p:cNvPr id="217" name="Google Shape;217;g71f3fec9f1_1_6:notes"/>
+          <p:cNvSpPr txBox="1"/>
+          <p:nvPr>
+            <p:ph idx="1" type="body"/>
+          </p:nvPr>
+        </p:nvSpPr>
+        <p:spPr>
+          <a:xfrm>
+            <a:off x="685800" y="4343400"/>
+            <a:ext cx="5486400" cy="4114800"/>
+          </a:xfrm>
+          <a:prstGeom prst="rect">
+            <a:avLst/>
+          </a:prstGeom>
+        </p:spPr>
+        <p:txBody>
+          <a:bodyPr anchorCtr="0" anchor="t" bIns="91425" lIns="91425" spcFirstLastPara="1" rIns="91425" wrap="square" tIns="91425">
+            <a:noAutofit/>
+          </a:bodyPr>
+          <a:lstStyle/>
+          <a:p>
+            <a:pPr indent="0" lvl="0" marL="0" rtl="0" algn="l">
+              <a:spcBef>
+                <a:spcPts val="0"/>
+              </a:spcBef>
+              <a:spcAft>
+                <a:spcPts val="0"/>
+              </a:spcAft>
+              <a:buNone/>
+            </a:pPr>
+            <a:r>
+              <a:t/>
+            </a:r>
+            <a:endParaRPr/>
+          </a:p>
+        </p:txBody>
+      </p:sp>
+    </p:spTree>
+  </p:cSld>
+  <p:clrMapOvr>
+    <a:masterClrMapping/>
+  </p:clrMapOvr>
+</p:notes>
+</file>
+
+<file path=ppt/notesSlides/notesSlide15.xml><?xml version="1.0" encoding="utf-8"?>
+<p:notes xmlns:a="http://schemas.openxmlformats.org/drawingml/2006/main" xmlns:r="http://schemas.openxmlformats.org/officeDocument/2006/relationships" xmlns:mc="http://schemas.openxmlformats.org/markup-compatibility/2006" xmlns:mv="urn:schemas-microsoft-com:mac:vml" xmlns:p="http://schemas.openxmlformats.org/presentationml/2006/main" xmlns:c="http://schemas.openxmlformats.org/drawingml/2006/chart" xmlns:dgm="http://schemas.openxmlformats.org/drawingml/2006/diagram" xmlns:o="urn:schemas-microsoft-com:office:office" xmlns:v="urn:schemas-microsoft-com:vml" xmlns:pvml="urn:schemas-microsoft-com:office:powerpoint" xmlns:com="http://schemas.openxmlformats.org/drawingml/2006/compatibility" xmlns:p14="http://schemas.microsoft.com/office/powerpoint/2010/main" xmlns:p15="http://schemas.microsoft.com/office/powerpoint/2012/main" showMasterPhAnim="0" showMasterSp="0">
+  <p:cSld>
+    <p:spTree>
+      <p:nvGrpSpPr>
+        <p:cNvPr id="222" name="Shape 222"/>
+        <p:cNvGrpSpPr/>
+        <p:nvPr/>
+      </p:nvGrpSpPr>
+      <p:grpSpPr>
+        <a:xfrm>
+          <a:off x="0" y="0"/>
+          <a:ext cx="0" cy="0"/>
+          <a:chOff x="0" y="0"/>
+          <a:chExt cx="0" cy="0"/>
+        </a:xfrm>
+      </p:grpSpPr>
+      <p:sp>
+        <p:nvSpPr>
+          <p:cNvPr id="223" name="Google Shape;223;g71f3fec9f1_1_0:notes"/>
+          <p:cNvSpPr/>
+          <p:nvPr>
+            <p:ph idx="2" type="sldImg"/>
+          </p:nvPr>
+        </p:nvSpPr>
+        <p:spPr>
+          <a:xfrm>
+            <a:off x="381300" y="685800"/>
+            <a:ext cx="6096000" cy="3429000"/>
+          </a:xfrm>
+          <a:custGeom>
+            <a:rect b="b" l="l" r="r" t="t"/>
+            <a:pathLst>
+              <a:path extrusionOk="0" h="120000" w="120000">
+                <a:moveTo>
+                  <a:pt x="0" y="0"/>
+                </a:moveTo>
+                <a:lnTo>
+                  <a:pt x="120000" y="0"/>
+                </a:lnTo>
+                <a:lnTo>
+                  <a:pt x="120000" y="120000"/>
+                </a:lnTo>
+                <a:lnTo>
+                  <a:pt x="0" y="120000"/>
+                </a:lnTo>
+                <a:close/>
+              </a:path>
+            </a:pathLst>
+          </a:custGeom>
+        </p:spPr>
+      </p:sp>
+      <p:sp>
+        <p:nvSpPr>
+          <p:cNvPr id="224" name="Google Shape;224;g71f3fec9f1_1_0:notes"/>
           <p:cNvSpPr txBox="1"/>
           <p:nvPr>
             <p:ph idx="1" type="body"/>
@@ -1625,7 +1725,7 @@
       </p:grpSpPr>
       <p:sp>
         <p:nvSpPr>
-          <p:cNvPr id="161" name="Google Shape;161;g81c77c81e7_0_135:notes"/>
+          <p:cNvPr id="161" name="Google Shape;161;g71f3fec9f1_0_31:notes"/>
           <p:cNvSpPr/>
           <p:nvPr>
             <p:ph idx="2" type="sldImg"/>
@@ -1660,7 +1760,7 @@
       </p:sp>
       <p:sp>
         <p:nvSpPr>
-          <p:cNvPr id="162" name="Google Shape;162;g81c77c81e7_0_135:notes"/>
+          <p:cNvPr id="162" name="Google Shape;162;g71f3fec9f1_0_31:notes"/>
           <p:cNvSpPr txBox="1"/>
           <p:nvPr>
             <p:ph idx="1" type="body"/>
@@ -1724,7 +1824,7 @@
       </p:grpSpPr>
       <p:sp>
         <p:nvSpPr>
-          <p:cNvPr id="167" name="Google Shape;167;g81c77c81e7_0_140:notes"/>
+          <p:cNvPr id="167" name="Google Shape;167;g81c77c81e7_0_135:notes"/>
           <p:cNvSpPr/>
           <p:nvPr>
             <p:ph idx="2" type="sldImg"/>
@@ -1759,7 +1859,7 @@
       </p:sp>
       <p:sp>
         <p:nvSpPr>
-          <p:cNvPr id="168" name="Google Shape;168;g81c77c81e7_0_140:notes"/>
+          <p:cNvPr id="168" name="Google Shape;168;g81c77c81e7_0_135:notes"/>
           <p:cNvSpPr txBox="1"/>
           <p:nvPr>
             <p:ph idx="1" type="body"/>
@@ -1823,7 +1923,7 @@
       </p:grpSpPr>
       <p:sp>
         <p:nvSpPr>
-          <p:cNvPr id="173" name="Google Shape;173;g81c77c81e7_0_145:notes"/>
+          <p:cNvPr id="173" name="Google Shape;173;g81c77c81e7_0_140:notes"/>
           <p:cNvSpPr/>
           <p:nvPr>
             <p:ph idx="2" type="sldImg"/>
@@ -1858,7 +1958,7 @@
       </p:sp>
       <p:sp>
         <p:nvSpPr>
-          <p:cNvPr id="174" name="Google Shape;174;g81c77c81e7_0_145:notes"/>
+          <p:cNvPr id="174" name="Google Shape;174;g81c77c81e7_0_140:notes"/>
           <p:cNvSpPr txBox="1"/>
           <p:nvPr>
             <p:ph idx="1" type="body"/>
@@ -1922,7 +2022,7 @@
       </p:grpSpPr>
       <p:sp>
         <p:nvSpPr>
-          <p:cNvPr id="179" name="Google Shape;179;g71f3fec9f1_0_0:notes"/>
+          <p:cNvPr id="179" name="Google Shape;179;g81c77c81e7_0_145:notes"/>
           <p:cNvSpPr/>
           <p:nvPr>
             <p:ph idx="2" type="sldImg"/>
@@ -1957,7 +2057,7 @@
       </p:sp>
       <p:sp>
         <p:nvSpPr>
-          <p:cNvPr id="180" name="Google Shape;180;g71f3fec9f1_0_0:notes"/>
+          <p:cNvPr id="180" name="Google Shape;180;g81c77c81e7_0_145:notes"/>
           <p:cNvSpPr txBox="1"/>
           <p:nvPr>
             <p:ph idx="1" type="body"/>
@@ -2021,7 +2121,7 @@
       </p:grpSpPr>
       <p:sp>
         <p:nvSpPr>
-          <p:cNvPr id="185" name="Google Shape;185;g71f3fec9f1_0_5:notes"/>
+          <p:cNvPr id="185" name="Google Shape;185;g71f3fec9f1_0_0:notes"/>
           <p:cNvSpPr/>
           <p:nvPr>
             <p:ph idx="2" type="sldImg"/>
@@ -2056,7 +2156,7 @@
       </p:sp>
       <p:sp>
         <p:nvSpPr>
-          <p:cNvPr id="186" name="Google Shape;186;g71f3fec9f1_0_5:notes"/>
+          <p:cNvPr id="186" name="Google Shape;186;g71f3fec9f1_0_0:notes"/>
           <p:cNvSpPr txBox="1"/>
           <p:nvPr>
             <p:ph idx="1" type="body"/>
@@ -10351,8 +10451,8 @@
         </p:nvSpPr>
         <p:spPr>
           <a:xfrm>
-            <a:off x="5083950" y="3924925"/>
-            <a:ext cx="3470700" cy="506100"/>
+            <a:off x="1909025" y="3924925"/>
+            <a:ext cx="6645600" cy="506100"/>
           </a:xfrm>
           <a:prstGeom prst="rect">
             <a:avLst/>
@@ -10375,7 +10475,23 @@
             </a:pPr>
             <a:r>
               <a:rPr lang="en"/>
-              <a:t>Pawan Patel, Curtis Whall, Danial Asghar</a:t>
+              <a:t>Group: Heiren</a:t>
+            </a:r>
+            <a:endParaRPr/>
+          </a:p>
+          <a:p>
+            <a:pPr indent="0" lvl="0" marL="0" rtl="0" algn="l">
+              <a:spcBef>
+                <a:spcPts val="0"/>
+              </a:spcBef>
+              <a:spcAft>
+                <a:spcPts val="0"/>
+              </a:spcAft>
+              <a:buNone/>
+            </a:pPr>
+            <a:r>
+              <a:rPr lang="en"/>
+              <a:t>Pawan Patel (100582283), Curtis Whall (100655399), Danial Asghar (100671850)</a:t>
             </a:r>
             <a:endParaRPr/>
           </a:p>
@@ -10416,7 +10532,7 @@
         </p:nvSpPr>
         <p:spPr>
           <a:xfrm>
-            <a:off x="1297500" y="393750"/>
+            <a:off x="1297500" y="372525"/>
             <a:ext cx="7038900" cy="914100"/>
           </a:xfrm>
           <a:prstGeom prst="rect">
@@ -10485,7 +10601,7 @@
             </a:pPr>
             <a:r>
               <a:rPr lang="en"/>
-              <a:t>Sluggish and unproductive work from employees.</a:t>
+              <a:t>Worker sickness/injury/leave for any reason</a:t>
             </a:r>
             <a:endParaRPr/>
           </a:p>
@@ -10506,7 +10622,7 @@
             </a:pPr>
             <a:r>
               <a:rPr lang="en" sz="1300"/>
-              <a:t>Specific recruitment and strict job requirements to ensure the deadline is met and quality is sufficient.</a:t>
+              <a:t>Have backup workers who keep track of the project so that they can more easily be caught up if they are required to work due to a lost team member.</a:t>
             </a:r>
             <a:endParaRPr sz="1300"/>
           </a:p>
@@ -10527,7 +10643,7 @@
             </a:pPr>
             <a:r>
               <a:rPr lang="en"/>
-              <a:t>Integration of kitchen and dining room tools </a:t>
+              <a:t>Possible requirements change</a:t>
             </a:r>
             <a:endParaRPr/>
           </a:p>
@@ -10548,7 +10664,7 @@
             </a:pPr>
             <a:r>
               <a:rPr lang="en" sz="1300"/>
-              <a:t>Test in house the workings between the two products, to ensure cohesion and that everything is working as intended before the deadline.</a:t>
+              <a:t>This seems unlikely due to the requirements but with an agile process of development we will be able to adapt to any changes.</a:t>
             </a:r>
             <a:endParaRPr sz="1300"/>
           </a:p>
@@ -10569,7 +10685,7 @@
             </a:pPr>
             <a:r>
               <a:rPr lang="en"/>
-              <a:t>Lack of leadership or overall design of the project.</a:t>
+              <a:t>Sluggish and unproductive work from employees.</a:t>
             </a:r>
             <a:endParaRPr/>
           </a:p>
@@ -10590,7 +10706,7 @@
             </a:pPr>
             <a:r>
               <a:rPr lang="en" sz="1300"/>
-              <a:t>Strong leader as well as very detailed requirements initially to ensure the workers know where they are, and the goal that is to be reached. Also, meetings with the clients to ensure requirements are being understood and implemented as desired.</a:t>
+              <a:t>Specific recruitment and strict job requirements to ensure deadline is met and quality is sufficient.</a:t>
             </a:r>
             <a:endParaRPr>
               <a:solidFill>
@@ -10723,7 +10839,7 @@
             </a:pPr>
             <a:r>
               <a:rPr lang="en"/>
-              <a:t>Going over budget before completing the product</a:t>
+              <a:t>Sluggish and unproductive work from employees.</a:t>
             </a:r>
             <a:endParaRPr/>
           </a:p>
@@ -10744,7 +10860,7 @@
             </a:pPr>
             <a:r>
               <a:rPr lang="en" sz="1300"/>
-              <a:t>Strict budgeting and cost estimation done beforehand to ensure that workers know the limits that can be spent and hours worked.</a:t>
+              <a:t>Specific recruitment and strict job requirements to ensure the deadline is met and quality is sufficient.</a:t>
             </a:r>
             <a:endParaRPr sz="1300"/>
           </a:p>
@@ -10765,7 +10881,7 @@
             </a:pPr>
             <a:r>
               <a:rPr lang="en"/>
-              <a:t>Project estimation is not accurate or makes sense.</a:t>
+              <a:t>Integration of kitchen and dining room tools </a:t>
             </a:r>
             <a:endParaRPr/>
           </a:p>
@@ -10786,7 +10902,49 @@
             </a:pPr>
             <a:r>
               <a:rPr lang="en" sz="1300"/>
-              <a:t>Strict time estimation and effort estimation to be done during planning phases to ensure streamlined development phase.</a:t>
+              <a:t>Test in house the workings between the two products, to ensure cohesion and that everything is working as intended before the deadline.</a:t>
+            </a:r>
+            <a:endParaRPr sz="1300"/>
+          </a:p>
+          <a:p>
+            <a:pPr indent="-298450" lvl="0" marL="457200" rtl="0" algn="l">
+              <a:spcBef>
+                <a:spcPts val="0"/>
+              </a:spcBef>
+              <a:spcAft>
+                <a:spcPts val="0"/>
+              </a:spcAft>
+              <a:buClr>
+                <a:srgbClr val="FFFFFF"/>
+              </a:buClr>
+              <a:buSzPts val="1100"/>
+              <a:buFont typeface="Arial"/>
+              <a:buChar char="●"/>
+            </a:pPr>
+            <a:r>
+              <a:rPr lang="en"/>
+              <a:t>Lack of leadership or overall design of the project.</a:t>
+            </a:r>
+            <a:endParaRPr/>
+          </a:p>
+          <a:p>
+            <a:pPr indent="-298450" lvl="1" marL="914400" rtl="0" algn="l">
+              <a:spcBef>
+                <a:spcPts val="0"/>
+              </a:spcBef>
+              <a:spcAft>
+                <a:spcPts val="0"/>
+              </a:spcAft>
+              <a:buClr>
+                <a:srgbClr val="FFFFFF"/>
+              </a:buClr>
+              <a:buSzPts val="1100"/>
+              <a:buFont typeface="Arial"/>
+              <a:buChar char="○"/>
+            </a:pPr>
+            <a:r>
+              <a:rPr lang="en" sz="1300"/>
+              <a:t>Strong leader as well as very detailed requirements initially to ensure the workers know where they are, and the goal that is to be reached. Also, meetings with the clients to ensure requirements are being understood and implemented as desired.</a:t>
             </a:r>
             <a:endParaRPr>
               <a:solidFill>
@@ -10874,7 +11032,7 @@
             </a:pPr>
             <a:r>
               <a:rPr lang="en"/>
-              <a:t>Activity Diagram</a:t>
+              <a:t>Risks and Our Preventions </a:t>
             </a:r>
             <a:endParaRPr/>
           </a:p>
@@ -10903,6 +11061,98 @@
           </a:bodyPr>
           <a:lstStyle/>
           <a:p>
+            <a:pPr indent="-298450" lvl="0" marL="457200" rtl="0" algn="l">
+              <a:spcBef>
+                <a:spcPts val="0"/>
+              </a:spcBef>
+              <a:spcAft>
+                <a:spcPts val="0"/>
+              </a:spcAft>
+              <a:buClr>
+                <a:srgbClr val="FFFFFF"/>
+              </a:buClr>
+              <a:buSzPts val="1100"/>
+              <a:buFont typeface="Arial"/>
+              <a:buChar char="●"/>
+            </a:pPr>
+            <a:r>
+              <a:rPr lang="en"/>
+              <a:t>Going over budget before completing the product</a:t>
+            </a:r>
+            <a:endParaRPr/>
+          </a:p>
+          <a:p>
+            <a:pPr indent="-298450" lvl="1" marL="914400" rtl="0" algn="l">
+              <a:spcBef>
+                <a:spcPts val="0"/>
+              </a:spcBef>
+              <a:spcAft>
+                <a:spcPts val="0"/>
+              </a:spcAft>
+              <a:buClr>
+                <a:srgbClr val="FFFFFF"/>
+              </a:buClr>
+              <a:buSzPts val="1100"/>
+              <a:buFont typeface="Arial"/>
+              <a:buChar char="○"/>
+            </a:pPr>
+            <a:r>
+              <a:rPr lang="en" sz="1300"/>
+              <a:t>Strict budgeting and cost estimation done beforehand to ensure that workers know the limits that can be spent and hours worked.</a:t>
+            </a:r>
+            <a:endParaRPr sz="1300"/>
+          </a:p>
+          <a:p>
+            <a:pPr indent="-298450" lvl="0" marL="457200" rtl="0" algn="l">
+              <a:spcBef>
+                <a:spcPts val="0"/>
+              </a:spcBef>
+              <a:spcAft>
+                <a:spcPts val="0"/>
+              </a:spcAft>
+              <a:buClr>
+                <a:srgbClr val="FFFFFF"/>
+              </a:buClr>
+              <a:buSzPts val="1100"/>
+              <a:buFont typeface="Arial"/>
+              <a:buChar char="●"/>
+            </a:pPr>
+            <a:r>
+              <a:rPr lang="en"/>
+              <a:t>Project estimation is not accurate or makes sense.</a:t>
+            </a:r>
+            <a:endParaRPr/>
+          </a:p>
+          <a:p>
+            <a:pPr indent="-298450" lvl="1" marL="914400" rtl="0" algn="l">
+              <a:spcBef>
+                <a:spcPts val="0"/>
+              </a:spcBef>
+              <a:spcAft>
+                <a:spcPts val="0"/>
+              </a:spcAft>
+              <a:buClr>
+                <a:srgbClr val="FFFFFF"/>
+              </a:buClr>
+              <a:buSzPts val="1100"/>
+              <a:buFont typeface="Arial"/>
+              <a:buChar char="○"/>
+            </a:pPr>
+            <a:r>
+              <a:rPr lang="en" sz="1300"/>
+              <a:t>Strict time estimation and effort estimation to be done during planning phases to ensure streamlined development phase.</a:t>
+            </a:r>
+            <a:endParaRPr>
+              <a:solidFill>
+                <a:srgbClr val="000000"/>
+              </a:solidFill>
+              <a:latin typeface="Arial"/>
+              <a:ea typeface="Arial"/>
+              <a:cs typeface="Arial"/>
+              <a:sym typeface="Arial"/>
+            </a:endParaRPr>
+          </a:p>
+          <a:p>
             <a:pPr indent="0" lvl="0" marL="0" rtl="0" algn="l">
               <a:spcBef>
                 <a:spcPts val="0"/>
@@ -10919,34 +11169,6 @@
           </a:p>
         </p:txBody>
       </p:sp>
-      <p:pic>
-        <p:nvPicPr>
-          <p:cNvPr id="208" name="Google Shape;208;p24"/>
-          <p:cNvPicPr preferRelativeResize="0"/>
-          <p:nvPr/>
-        </p:nvPicPr>
-        <p:blipFill>
-          <a:blip r:embed="rId3">
-            <a:alphaModFix/>
-          </a:blip>
-          <a:stretch>
-            <a:fillRect/>
-          </a:stretch>
-        </p:blipFill>
-        <p:spPr>
-          <a:xfrm>
-            <a:off x="192600" y="1252250"/>
-            <a:ext cx="8758799" cy="3799250"/>
-          </a:xfrm>
-          <a:prstGeom prst="rect">
-            <a:avLst/>
-          </a:prstGeom>
-          <a:noFill/>
-          <a:ln>
-            <a:noFill/>
-          </a:ln>
-        </p:spPr>
-      </p:pic>
     </p:spTree>
   </p:cSld>
   <p:clrMapOvr>
@@ -10960,7 +11182,7 @@
   <p:cSld>
     <p:spTree>
       <p:nvGrpSpPr>
-        <p:cNvPr id="212" name="Shape 212"/>
+        <p:cNvPr id="211" name="Shape 211"/>
         <p:cNvGrpSpPr/>
         <p:nvPr/>
       </p:nvGrpSpPr>
@@ -10974,7 +11196,7 @@
       </p:grpSpPr>
       <p:sp>
         <p:nvSpPr>
-          <p:cNvPr id="213" name="Google Shape;213;p25"/>
+          <p:cNvPr id="212" name="Google Shape;212;p25"/>
           <p:cNvSpPr txBox="1"/>
           <p:nvPr>
             <p:ph type="title"/>
@@ -10982,7 +11204,7 @@
         </p:nvSpPr>
         <p:spPr>
           <a:xfrm>
-            <a:off x="87900" y="1396300"/>
+            <a:off x="1297500" y="393750"/>
             <a:ext cx="7038900" cy="914100"/>
           </a:xfrm>
           <a:prstGeom prst="rect">
@@ -11006,23 +11228,46 @@
             </a:pPr>
             <a:r>
               <a:rPr lang="en"/>
-              <a:t>Assigned </a:t>
+              <a:t>Activity Diagram</a:t>
             </a:r>
             <a:endParaRPr/>
           </a:p>
+        </p:txBody>
+      </p:sp>
+      <p:sp>
+        <p:nvSpPr>
+          <p:cNvPr id="213" name="Google Shape;213;p25"/>
+          <p:cNvSpPr txBox="1"/>
+          <p:nvPr>
+            <p:ph idx="1" type="body"/>
+          </p:nvPr>
+        </p:nvSpPr>
+        <p:spPr>
+          <a:xfrm>
+            <a:off x="1297500" y="1567550"/>
+            <a:ext cx="7038900" cy="2911200"/>
+          </a:xfrm>
+          <a:prstGeom prst="rect">
+            <a:avLst/>
+          </a:prstGeom>
+        </p:spPr>
+        <p:txBody>
+          <a:bodyPr anchorCtr="0" anchor="t" bIns="91425" lIns="91425" spcFirstLastPara="1" rIns="91425" wrap="square" tIns="91425">
+            <a:noAutofit/>
+          </a:bodyPr>
+          <a:lstStyle/>
           <a:p>
             <a:pPr indent="0" lvl="0" marL="0" rtl="0" algn="l">
               <a:spcBef>
                 <a:spcPts val="0"/>
               </a:spcBef>
               <a:spcAft>
-                <a:spcPts val="0"/>
+                <a:spcPts val="1600"/>
               </a:spcAft>
               <a:buNone/>
             </a:pPr>
             <a:r>
-              <a:rPr lang="en"/>
-              <a:t>Resources</a:t>
+              <a:t/>
             </a:r>
             <a:endParaRPr/>
           </a:p>
@@ -11044,8 +11289,8 @@
         </p:blipFill>
         <p:spPr>
           <a:xfrm>
-            <a:off x="2212151" y="119875"/>
-            <a:ext cx="6807075" cy="4960226"/>
+            <a:off x="192600" y="1252250"/>
+            <a:ext cx="8758799" cy="3799250"/>
           </a:xfrm>
           <a:prstGeom prst="rect">
             <a:avLst/>
@@ -11091,7 +11336,7 @@
         </p:nvSpPr>
         <p:spPr>
           <a:xfrm>
-            <a:off x="186000" y="1439900"/>
+            <a:off x="97775" y="1109450"/>
             <a:ext cx="7038900" cy="914100"/>
           </a:xfrm>
           <a:prstGeom prst="rect">
@@ -11115,6 +11360,143 @@
             </a:pPr>
             <a:r>
               <a:rPr lang="en"/>
+              <a:t>Assigned </a:t>
+            </a:r>
+            <a:endParaRPr/>
+          </a:p>
+          <a:p>
+            <a:pPr indent="0" lvl="0" marL="0" rtl="0" algn="l">
+              <a:spcBef>
+                <a:spcPts val="0"/>
+              </a:spcBef>
+              <a:spcAft>
+                <a:spcPts val="0"/>
+              </a:spcAft>
+              <a:buNone/>
+            </a:pPr>
+            <a:r>
+              <a:rPr lang="en"/>
+              <a:t>Resources</a:t>
+            </a:r>
+            <a:endParaRPr/>
+          </a:p>
+        </p:txBody>
+      </p:sp>
+      <p:pic>
+        <p:nvPicPr>
+          <p:cNvPr id="220" name="Google Shape;220;p26"/>
+          <p:cNvPicPr preferRelativeResize="0"/>
+          <p:nvPr/>
+        </p:nvPicPr>
+        <p:blipFill>
+          <a:blip r:embed="rId3">
+            <a:alphaModFix/>
+          </a:blip>
+          <a:stretch>
+            <a:fillRect/>
+          </a:stretch>
+        </p:blipFill>
+        <p:spPr>
+          <a:xfrm>
+            <a:off x="2212151" y="119875"/>
+            <a:ext cx="6807075" cy="4960226"/>
+          </a:xfrm>
+          <a:prstGeom prst="rect">
+            <a:avLst/>
+          </a:prstGeom>
+          <a:noFill/>
+          <a:ln>
+            <a:noFill/>
+          </a:ln>
+        </p:spPr>
+      </p:pic>
+      <p:pic>
+        <p:nvPicPr>
+          <p:cNvPr id="221" name="Google Shape;221;p26"/>
+          <p:cNvPicPr preferRelativeResize="0"/>
+          <p:nvPr/>
+        </p:nvPicPr>
+        <p:blipFill>
+          <a:blip r:embed="rId4">
+            <a:alphaModFix/>
+          </a:blip>
+          <a:stretch>
+            <a:fillRect/>
+          </a:stretch>
+        </p:blipFill>
+        <p:spPr>
+          <a:xfrm>
+            <a:off x="176225" y="2023550"/>
+            <a:ext cx="1907350" cy="2979425"/>
+          </a:xfrm>
+          <a:prstGeom prst="rect">
+            <a:avLst/>
+          </a:prstGeom>
+          <a:noFill/>
+          <a:ln>
+            <a:noFill/>
+          </a:ln>
+        </p:spPr>
+      </p:pic>
+    </p:spTree>
+  </p:cSld>
+  <p:clrMapOvr>
+    <a:masterClrMapping/>
+  </p:clrMapOvr>
+</p:sld>
+</file>
+
+<file path=ppt/slides/slide15.xml><?xml version="1.0" encoding="utf-8"?>
+<p:sld xmlns:a="http://schemas.openxmlformats.org/drawingml/2006/main" xmlns:r="http://schemas.openxmlformats.org/officeDocument/2006/relationships" xmlns:mc="http://schemas.openxmlformats.org/markup-compatibility/2006" xmlns:mv="urn:schemas-microsoft-com:mac:vml" xmlns:p="http://schemas.openxmlformats.org/presentationml/2006/main" xmlns:c="http://schemas.openxmlformats.org/drawingml/2006/chart" xmlns:dgm="http://schemas.openxmlformats.org/drawingml/2006/diagram" xmlns:o="urn:schemas-microsoft-com:office:office" xmlns:v="urn:schemas-microsoft-com:vml" xmlns:pvml="urn:schemas-microsoft-com:office:powerpoint" xmlns:com="http://schemas.openxmlformats.org/drawingml/2006/compatibility" xmlns:p14="http://schemas.microsoft.com/office/powerpoint/2010/main" xmlns:p15="http://schemas.microsoft.com/office/powerpoint/2012/main">
+  <p:cSld>
+    <p:spTree>
+      <p:nvGrpSpPr>
+        <p:cNvPr id="225" name="Shape 225"/>
+        <p:cNvGrpSpPr/>
+        <p:nvPr/>
+      </p:nvGrpSpPr>
+      <p:grpSpPr>
+        <a:xfrm>
+          <a:off x="0" y="0"/>
+          <a:ext cx="0" cy="0"/>
+          <a:chOff x="0" y="0"/>
+          <a:chExt cx="0" cy="0"/>
+        </a:xfrm>
+      </p:grpSpPr>
+      <p:sp>
+        <p:nvSpPr>
+          <p:cNvPr id="226" name="Google Shape;226;p27"/>
+          <p:cNvSpPr txBox="1"/>
+          <p:nvPr>
+            <p:ph type="title"/>
+          </p:nvPr>
+        </p:nvSpPr>
+        <p:spPr>
+          <a:xfrm>
+            <a:off x="186000" y="95200"/>
+            <a:ext cx="7038900" cy="914100"/>
+          </a:xfrm>
+          <a:prstGeom prst="rect">
+            <a:avLst/>
+          </a:prstGeom>
+        </p:spPr>
+        <p:txBody>
+          <a:bodyPr anchorCtr="0" anchor="t" bIns="91425" lIns="91425" spcFirstLastPara="1" rIns="91425" wrap="square" tIns="91425">
+            <a:noAutofit/>
+          </a:bodyPr>
+          <a:lstStyle/>
+          <a:p>
+            <a:pPr indent="0" lvl="0" marL="0" rtl="0" algn="l">
+              <a:spcBef>
+                <a:spcPts val="0"/>
+              </a:spcBef>
+              <a:spcAft>
+                <a:spcPts val="0"/>
+              </a:spcAft>
+              <a:buNone/>
+            </a:pPr>
+            <a:r>
+              <a:rPr lang="en"/>
               <a:t>Gantt Chart</a:t>
             </a:r>
             <a:endParaRPr/>
@@ -11123,7 +11505,7 @@
       </p:sp>
       <p:pic>
         <p:nvPicPr>
-          <p:cNvPr id="220" name="Google Shape;220;p26"/>
+          <p:cNvPr id="227" name="Google Shape;227;p27"/>
           <p:cNvPicPr preferRelativeResize="0"/>
           <p:nvPr/>
         </p:nvPicPr>
@@ -11149,6 +11531,92 @@
           </a:ln>
         </p:spPr>
       </p:pic>
+      <p:pic>
+        <p:nvPicPr>
+          <p:cNvPr id="228" name="Google Shape;228;p27"/>
+          <p:cNvPicPr preferRelativeResize="0"/>
+          <p:nvPr/>
+        </p:nvPicPr>
+        <p:blipFill>
+          <a:blip r:embed="rId4">
+            <a:alphaModFix/>
+          </a:blip>
+          <a:stretch>
+            <a:fillRect/>
+          </a:stretch>
+        </p:blipFill>
+        <p:spPr>
+          <a:xfrm>
+            <a:off x="0" y="3812375"/>
+            <a:ext cx="3743650" cy="1211950"/>
+          </a:xfrm>
+          <a:prstGeom prst="rect">
+            <a:avLst/>
+          </a:prstGeom>
+          <a:noFill/>
+          <a:ln>
+            <a:noFill/>
+          </a:ln>
+        </p:spPr>
+      </p:pic>
+      <p:sp>
+        <p:nvSpPr>
+          <p:cNvPr id="229" name="Google Shape;229;p27"/>
+          <p:cNvSpPr txBox="1"/>
+          <p:nvPr/>
+        </p:nvSpPr>
+        <p:spPr>
+          <a:xfrm>
+            <a:off x="75300" y="3334875"/>
+            <a:ext cx="6196500" cy="723000"/>
+          </a:xfrm>
+          <a:prstGeom prst="rect">
+            <a:avLst/>
+          </a:prstGeom>
+          <a:noFill/>
+          <a:ln>
+            <a:noFill/>
+          </a:ln>
+        </p:spPr>
+        <p:txBody>
+          <a:bodyPr anchorCtr="0" anchor="t" bIns="91425" lIns="91425" spcFirstLastPara="1" rIns="91425" wrap="square" tIns="91425">
+            <a:noAutofit/>
+          </a:bodyPr>
+          <a:lstStyle/>
+          <a:p>
+            <a:pPr indent="0" lvl="0" marL="0" rtl="0" algn="l">
+              <a:spcBef>
+                <a:spcPts val="0"/>
+              </a:spcBef>
+              <a:spcAft>
+                <a:spcPts val="0"/>
+              </a:spcAft>
+              <a:buNone/>
+            </a:pPr>
+            <a:r>
+              <a:rPr lang="en">
+                <a:solidFill>
+                  <a:srgbClr val="FFFFFF"/>
+                </a:solidFill>
+                <a:latin typeface="Lato"/>
+                <a:ea typeface="Lato"/>
+                <a:cs typeface="Lato"/>
+                <a:sym typeface="Lato"/>
+              </a:rPr>
+              <a:t>Holiday Exceptions ↓</a:t>
+            </a:r>
+            <a:endParaRPr>
+              <a:solidFill>
+                <a:srgbClr val="FFFFFF"/>
+              </a:solidFill>
+              <a:latin typeface="Lato"/>
+              <a:ea typeface="Lato"/>
+              <a:cs typeface="Lato"/>
+              <a:sym typeface="Lato"/>
+            </a:endParaRPr>
+          </a:p>
+        </p:txBody>
+      </p:sp>
     </p:spTree>
   </p:cSld>
   <p:clrMapOvr>
@@ -11802,7 +12270,7 @@
             </a:pPr>
             <a:r>
               <a:rPr lang="en"/>
-              <a:t>Why create it?</a:t>
+              <a:t>Infrastructure</a:t>
             </a:r>
             <a:endParaRPr/>
           </a:p>
@@ -11831,7 +12299,28 @@
           </a:bodyPr>
           <a:lstStyle/>
           <a:p>
+            <a:pPr indent="0" lvl="0" marL="0" rtl="0" algn="l">
+              <a:lnSpc>
+                <a:spcPct val="150000"/>
+              </a:lnSpc>
+              <a:spcBef>
+                <a:spcPts val="0"/>
+              </a:spcBef>
+              <a:spcAft>
+                <a:spcPts val="0"/>
+              </a:spcAft>
+              <a:buNone/>
+            </a:pPr>
+            <a:r>
+              <a:t/>
+            </a:r>
+            <a:endParaRPr/>
+          </a:p>
+          <a:p>
             <a:pPr indent="-311150" lvl="0" marL="457200" rtl="0" algn="l">
+              <a:lnSpc>
+                <a:spcPct val="150000"/>
+              </a:lnSpc>
               <a:spcBef>
                 <a:spcPts val="0"/>
               </a:spcBef>
@@ -11843,12 +12332,15 @@
             </a:pPr>
             <a:r>
               <a:rPr lang="en"/>
-              <a:t>Rising wages required for wait staff makes employers more likely to automate the process.</a:t>
+              <a:t>iPads for each table within the restaurant</a:t>
             </a:r>
             <a:endParaRPr/>
           </a:p>
           <a:p>
             <a:pPr indent="-311150" lvl="0" marL="457200" rtl="0" algn="l">
+              <a:lnSpc>
+                <a:spcPct val="150000"/>
+              </a:lnSpc>
               <a:spcBef>
                 <a:spcPts val="0"/>
               </a:spcBef>
@@ -11860,12 +12352,15 @@
             </a:pPr>
             <a:r>
               <a:rPr lang="en"/>
-              <a:t>This opened up a new market, with the possibility of a huge profit.</a:t>
+              <a:t>A database to store all food items sold - (Firebase)</a:t>
             </a:r>
             <a:endParaRPr/>
           </a:p>
           <a:p>
             <a:pPr indent="-311150" lvl="0" marL="457200" rtl="0" algn="l">
+              <a:lnSpc>
+                <a:spcPct val="150000"/>
+              </a:lnSpc>
               <a:spcBef>
                 <a:spcPts val="0"/>
               </a:spcBef>
@@ -11877,12 +12372,15 @@
             </a:pPr>
             <a:r>
               <a:rPr lang="en"/>
-              <a:t>Due to IOS development and previous knowledge with Swift, we thought this project was well suited to our team.</a:t>
+              <a:t>iPad application to act as the menu</a:t>
             </a:r>
             <a:endParaRPr/>
           </a:p>
           <a:p>
             <a:pPr indent="-311150" lvl="0" marL="457200" rtl="0" algn="l">
+              <a:lnSpc>
+                <a:spcPct val="150000"/>
+              </a:lnSpc>
               <a:spcBef>
                 <a:spcPts val="0"/>
               </a:spcBef>
@@ -11894,7 +12392,58 @@
             </a:pPr>
             <a:r>
               <a:rPr lang="en"/>
-              <a:t>Overall, it can simplify and streamline restaurant experiences overall.</a:t>
+              <a:t>Printer to print orders within the kitchen</a:t>
+            </a:r>
+            <a:endParaRPr/>
+          </a:p>
+          <a:p>
+            <a:pPr indent="-311150" lvl="0" marL="457200" rtl="0" algn="l">
+              <a:lnSpc>
+                <a:spcPct val="150000"/>
+              </a:lnSpc>
+              <a:spcBef>
+                <a:spcPts val="0"/>
+              </a:spcBef>
+              <a:spcAft>
+                <a:spcPts val="0"/>
+              </a:spcAft>
+              <a:buSzPts val="1300"/>
+              <a:buChar char="●"/>
+            </a:pPr>
+            <a:r>
+              <a:rPr lang="en"/>
+              <a:t>Their old system will connect to the firebase </a:t>
+            </a:r>
+            <a:r>
+              <a:rPr lang="en"/>
+              <a:t>database</a:t>
+            </a:r>
+            <a:r>
+              <a:rPr lang="en"/>
+              <a:t> hence </a:t>
+            </a:r>
+            <a:r>
+              <a:rPr lang="en"/>
+              <a:t>allowing</a:t>
+            </a:r>
+            <a:r>
+              <a:rPr lang="en"/>
+              <a:t> legacy support for older restaurants</a:t>
+            </a:r>
+            <a:endParaRPr/>
+          </a:p>
+          <a:p>
+            <a:pPr indent="0" lvl="0" marL="0" rtl="0" algn="l">
+              <a:spcBef>
+                <a:spcPts val="0"/>
+              </a:spcBef>
+              <a:spcAft>
+                <a:spcPts val="1600"/>
+              </a:spcAft>
+              <a:buNone/>
+            </a:pPr>
+            <a:r>
+              <a:t/>
             </a:r>
             <a:endParaRPr/>
           </a:p>
@@ -11959,11 +12508,7 @@
             </a:pPr>
             <a:r>
               <a:rPr lang="en"/>
-              <a:t>Measures of </a:t>
-            </a:r>
-            <a:r>
-              <a:rPr lang="en"/>
-              <a:t>Success</a:t>
+              <a:t>Why create it?</a:t>
             </a:r>
             <a:endParaRPr/>
           </a:p>
@@ -12004,7 +12549,7 @@
             </a:pPr>
             <a:r>
               <a:rPr lang="en"/>
-              <a:t>Measure monthly profits and compare to previous years without extra wait staff. The number should be increasing and total staff wages should be decreasing.</a:t>
+              <a:t>Rising wages required for wait staff makes employers more likely to automate the process.</a:t>
             </a:r>
             <a:endParaRPr/>
           </a:p>
@@ -12021,7 +12566,7 @@
             </a:pPr>
             <a:r>
               <a:rPr lang="en"/>
-              <a:t>Take customers surveys to see if language barrier issues have been improved since the implementation of the electronic menu.</a:t>
+              <a:t>This opened up a new market, with the possibility of a huge profit.</a:t>
             </a:r>
             <a:endParaRPr/>
           </a:p>
@@ -12038,7 +12583,24 @@
             </a:pPr>
             <a:r>
               <a:rPr lang="en"/>
-              <a:t>Compare time for orders to reach the kitchen with the new system to traditional order taking. The new electronic system should have a noticeable improvement and result in quicker times.</a:t>
+              <a:t>Due to IOS development and previous knowledge with Swift, we thought this project was well suited to our team.</a:t>
+            </a:r>
+            <a:endParaRPr/>
+          </a:p>
+          <a:p>
+            <a:pPr indent="-311150" lvl="0" marL="457200" rtl="0" algn="l">
+              <a:spcBef>
+                <a:spcPts val="0"/>
+              </a:spcBef>
+              <a:spcAft>
+                <a:spcPts val="0"/>
+              </a:spcAft>
+              <a:buSzPts val="1300"/>
+              <a:buChar char="●"/>
+            </a:pPr>
+            <a:r>
+              <a:rPr lang="en"/>
+              <a:t>Overall, it can simplify and streamline restaurant experiences overall.</a:t>
             </a:r>
             <a:endParaRPr/>
           </a:p>
@@ -12136,10 +12698,7 @@
           </a:bodyPr>
           <a:lstStyle/>
           <a:p>
-            <a:pPr indent="-311150" lvl="0" marL="457200" marR="0" rtl="0" algn="l">
-              <a:lnSpc>
-                <a:spcPct val="115000"/>
-              </a:lnSpc>
+            <a:pPr indent="-311150" lvl="0" marL="457200" rtl="0" algn="l">
               <a:spcBef>
                 <a:spcPts val="0"/>
               </a:spcBef>
@@ -12151,15 +12710,12 @@
             </a:pPr>
             <a:r>
               <a:rPr lang="en"/>
-              <a:t>Once again use customer surveys to see if customer enjoyment has improved since the implementation of the new ordering system.</a:t>
+              <a:t>Measure monthly profits and compare to previous years without extra wait staff. The number should be increasing and total staff wages should be decreasing.</a:t>
             </a:r>
             <a:endParaRPr/>
           </a:p>
           <a:p>
-            <a:pPr indent="-311150" lvl="0" marL="457200" marR="0" rtl="0" algn="l">
-              <a:lnSpc>
-                <a:spcPct val="115000"/>
-              </a:lnSpc>
+            <a:pPr indent="-311150" lvl="0" marL="457200" rtl="0" algn="l">
               <a:spcBef>
                 <a:spcPts val="0"/>
               </a:spcBef>
@@ -12171,15 +12727,12 @@
             </a:pPr>
             <a:r>
               <a:rPr lang="en"/>
-              <a:t>Number of compromised cards per year compared to previous years. Number should be decreasing.</a:t>
+              <a:t>Take customers surveys to see if language barrier issues have been improved since the implementation of the electronic menu.</a:t>
             </a:r>
             <a:endParaRPr/>
           </a:p>
           <a:p>
-            <a:pPr indent="-311150" lvl="0" marL="457200" marR="0" rtl="0" algn="l">
-              <a:lnSpc>
-                <a:spcPct val="115000"/>
-              </a:lnSpc>
+            <a:pPr indent="-311150" lvl="0" marL="457200" rtl="0" algn="l">
               <a:spcBef>
                 <a:spcPts val="0"/>
               </a:spcBef>
@@ -12191,13 +12744,9 @@
             </a:pPr>
             <a:r>
               <a:rPr lang="en"/>
-              <a:t>Correct and up to date health information is available at all times during the ordering process to customers.</a:t>
+              <a:t>Compare time for orders to reach the kitchen with the new system to traditional order taking. The new electronic system should have a noticeable improvement and result in quicker times.</a:t>
             </a:r>
-            <a:endParaRPr>
-              <a:solidFill>
-                <a:srgbClr val="FFFFFF"/>
-              </a:solidFill>
-            </a:endParaRPr>
+            <a:endParaRPr/>
           </a:p>
         </p:txBody>
       </p:sp>
@@ -12260,7 +12809,11 @@
             </a:pPr>
             <a:r>
               <a:rPr lang="en"/>
-              <a:t>Risks and Our Preventions </a:t>
+              <a:t>Measures of </a:t>
+            </a:r>
+            <a:r>
+              <a:rPr lang="en"/>
+              <a:t>Success</a:t>
             </a:r>
             <a:endParaRPr/>
           </a:p>
@@ -12289,91 +12842,47 @@
           </a:bodyPr>
           <a:lstStyle/>
           <a:p>
-            <a:pPr indent="-298450" lvl="0" marL="457200" rtl="0" algn="l">
-              <a:spcBef>
-                <a:spcPts val="0"/>
-              </a:spcBef>
-              <a:spcAft>
-                <a:spcPts val="0"/>
-              </a:spcAft>
-              <a:buClr>
-                <a:srgbClr val="FFFFFF"/>
-              </a:buClr>
-              <a:buSzPts val="1100"/>
-              <a:buFont typeface="Arial"/>
+            <a:pPr indent="-311150" lvl="0" marL="457200" marR="0" rtl="0" algn="l">
+              <a:lnSpc>
+                <a:spcPct val="115000"/>
+              </a:lnSpc>
+              <a:spcBef>
+                <a:spcPts val="0"/>
+              </a:spcBef>
+              <a:spcAft>
+                <a:spcPts val="0"/>
+              </a:spcAft>
+              <a:buSzPts val="1300"/>
               <a:buChar char="●"/>
             </a:pPr>
             <a:r>
               <a:rPr lang="en"/>
-              <a:t>Unqualified workers for the tasks required for development.</a:t>
+              <a:t>Once again use customer surveys to see if customer enjoyment has improved since the implementation of the new ordering system.</a:t>
             </a:r>
             <a:endParaRPr/>
           </a:p>
           <a:p>
-            <a:pPr indent="-298450" lvl="1" marL="914400" rtl="0" algn="l">
-              <a:spcBef>
-                <a:spcPts val="0"/>
-              </a:spcBef>
-              <a:spcAft>
-                <a:spcPts val="0"/>
-              </a:spcAft>
-              <a:buClr>
-                <a:srgbClr val="FFFFFF"/>
-              </a:buClr>
-              <a:buSzPts val="1100"/>
-              <a:buFont typeface="Arial"/>
-              <a:buChar char="○"/>
-            </a:pPr>
-            <a:r>
-              <a:rPr lang="en" sz="1300"/>
-              <a:t>WIth the use of a strong recruiter and project lead, we can look at people for their strengths and create a team that fits our needs for this project.</a:t>
-            </a:r>
-            <a:endParaRPr sz="1300"/>
-          </a:p>
-          <a:p>
-            <a:pPr indent="-298450" lvl="0" marL="457200" rtl="0" algn="l">
-              <a:spcBef>
-                <a:spcPts val="0"/>
-              </a:spcBef>
-              <a:spcAft>
-                <a:spcPts val="0"/>
-              </a:spcAft>
-              <a:buClr>
-                <a:srgbClr val="FFFFFF"/>
-              </a:buClr>
-              <a:buSzPts val="1100"/>
-              <a:buFont typeface="Arial"/>
+            <a:pPr indent="-311150" lvl="0" marL="457200" marR="0" rtl="0" algn="l">
+              <a:lnSpc>
+                <a:spcPct val="115000"/>
+              </a:lnSpc>
+              <a:spcBef>
+                <a:spcPts val="0"/>
+              </a:spcBef>
+              <a:spcAft>
+                <a:spcPts val="0"/>
+              </a:spcAft>
+              <a:buSzPts val="1300"/>
               <a:buChar char="●"/>
             </a:pPr>
             <a:r>
               <a:rPr lang="en"/>
-              <a:t>On deployment, and during normal use, if the systems go down, or the app for the iPads does not work.</a:t>
+              <a:t>Number of compromised cards per year compared to previous years. Number should be decreasing.</a:t>
             </a:r>
             <a:endParaRPr/>
           </a:p>
           <a:p>
-            <a:pPr indent="-298450" lvl="1" marL="914400" rtl="0" algn="l">
-              <a:spcBef>
-                <a:spcPts val="0"/>
-              </a:spcBef>
-              <a:spcAft>
-                <a:spcPts val="0"/>
-              </a:spcAft>
-              <a:buClr>
-                <a:srgbClr val="FFFFFF"/>
-              </a:buClr>
-              <a:buSzPts val="1100"/>
-              <a:buFont typeface="Arial"/>
-              <a:buChar char="○"/>
-            </a:pPr>
-            <a:r>
-              <a:rPr lang="en" sz="1300"/>
-              <a:t>Have paper menus as backup in case .</a:t>
-            </a:r>
-            <a:endParaRPr sz="1300"/>
-          </a:p>
-          <a:p>
-            <a:pPr indent="-298450" lvl="0" marL="457200" marR="0" rtl="0" algn="l">
+            <a:pPr indent="-311150" lvl="0" marL="457200" marR="0" rtl="0" algn="l">
               <a:lnSpc>
                 <a:spcPct val="115000"/>
               </a:lnSpc>
@@ -12383,80 +12892,18 @@
               <a:spcAft>
                 <a:spcPts val="0"/>
               </a:spcAft>
-              <a:buClr>
-                <a:srgbClr val="FFFFFF"/>
-              </a:buClr>
-              <a:buSzPts val="1100"/>
-              <a:buFont typeface="Arial"/>
+              <a:buSzPts val="1300"/>
               <a:buChar char="●"/>
             </a:pPr>
             <a:r>
               <a:rPr lang="en"/>
-              <a:t>Deadline not reached due to unforeseen circumstances. (Not Including unproductive work).</a:t>
-            </a:r>
-            <a:endParaRPr/>
-          </a:p>
-          <a:p>
-            <a:pPr indent="-298450" lvl="1" marL="914400" marR="0" rtl="0" algn="l">
-              <a:lnSpc>
-                <a:spcPct val="115000"/>
-              </a:lnSpc>
-              <a:spcBef>
-                <a:spcPts val="0"/>
-              </a:spcBef>
-              <a:spcAft>
-                <a:spcPts val="0"/>
-              </a:spcAft>
-              <a:buClr>
-                <a:srgbClr val="FFFFFF"/>
-              </a:buClr>
-              <a:buSzPts val="1100"/>
-              <a:buFont typeface="Arial"/>
-              <a:buChar char="○"/>
-            </a:pPr>
-            <a:r>
-              <a:rPr lang="en" sz="1300"/>
-              <a:t>Paper menus as backup to keep the restaurant running.</a:t>
+              <a:t>Correct and up to date health information is available at all times during the ordering process to customers.</a:t>
             </a:r>
             <a:endParaRPr>
               <a:solidFill>
-                <a:srgbClr val="000000"/>
+                <a:srgbClr val="FFFFFF"/>
               </a:solidFill>
-              <a:latin typeface="Arial"/>
-              <a:ea typeface="Arial"/>
-              <a:cs typeface="Arial"/>
-              <a:sym typeface="Arial"/>
             </a:endParaRPr>
-          </a:p>
-          <a:p>
-            <a:pPr indent="0" lvl="0" marL="457200" rtl="0" algn="l">
-              <a:spcBef>
-                <a:spcPts val="0"/>
-              </a:spcBef>
-              <a:spcAft>
-                <a:spcPts val="0"/>
-              </a:spcAft>
-              <a:buNone/>
-            </a:pPr>
-            <a:r>
-              <a:t/>
-            </a:r>
-            <a:endParaRPr/>
-          </a:p>
-          <a:p>
-            <a:pPr indent="0" lvl="0" marL="0" rtl="0" algn="l">
-              <a:spcBef>
-                <a:spcPts val="0"/>
-              </a:spcBef>
-              <a:spcAft>
-                <a:spcPts val="1600"/>
-              </a:spcAft>
-              <a:buNone/>
-            </a:pPr>
-            <a:r>
-              <a:t/>
-            </a:r>
-            <a:endParaRPr/>
           </a:p>
         </p:txBody>
       </p:sp>
@@ -12495,7 +12942,7 @@
         </p:nvSpPr>
         <p:spPr>
           <a:xfrm>
-            <a:off x="1297500" y="372525"/>
+            <a:off x="1297500" y="393750"/>
             <a:ext cx="7038900" cy="914100"/>
           </a:xfrm>
           <a:prstGeom prst="rect">
@@ -12564,7 +13011,7 @@
             </a:pPr>
             <a:r>
               <a:rPr lang="en"/>
-              <a:t>Worker sickness/injury/leave for any reason</a:t>
+              <a:t>Unqualified workers for the tasks required for development.</a:t>
             </a:r>
             <a:endParaRPr/>
           </a:p>
@@ -12585,7 +13032,7 @@
             </a:pPr>
             <a:r>
               <a:rPr lang="en" sz="1300"/>
-              <a:t>Have backup workers who keep track of the project so that they can more easily be caught up if they are required to work due to a lost team member.</a:t>
+              <a:t>WIth the use of a strong recruiter and project lead, we can look at people for their strengths and create a team that fits our needs for this project.</a:t>
             </a:r>
             <a:endParaRPr sz="1300"/>
           </a:p>
@@ -12606,7 +13053,7 @@
             </a:pPr>
             <a:r>
               <a:rPr lang="en"/>
-              <a:t>Possible requirements change</a:t>
+              <a:t>On deployment, and during normal use, if the systems go down, or the app for the iPads does not work.</a:t>
             </a:r>
             <a:endParaRPr/>
           </a:p>
@@ -12627,12 +13074,15 @@
             </a:pPr>
             <a:r>
               <a:rPr lang="en" sz="1300"/>
-              <a:t>This seems unlikely due to the requirements but with an agile process of development we will be able to adapt to any changes.</a:t>
+              <a:t>Have paper menus as backup in case .</a:t>
             </a:r>
             <a:endParaRPr sz="1300"/>
           </a:p>
           <a:p>
-            <a:pPr indent="-298450" lvl="0" marL="457200" rtl="0" algn="l">
+            <a:pPr indent="-298450" lvl="0" marL="457200" marR="0" rtl="0" algn="l">
+              <a:lnSpc>
+                <a:spcPct val="115000"/>
+              </a:lnSpc>
               <a:spcBef>
                 <a:spcPts val="0"/>
               </a:spcBef>
@@ -12648,12 +13098,15 @@
             </a:pPr>
             <a:r>
               <a:rPr lang="en"/>
-              <a:t>Sluggish and unproductive work from employees.</a:t>
+              <a:t>Deadline not reached due to unforeseen circumstances. (Not Including unproductive work).</a:t>
             </a:r>
             <a:endParaRPr/>
           </a:p>
           <a:p>
-            <a:pPr indent="-298450" lvl="1" marL="914400" rtl="0" algn="l">
+            <a:pPr indent="-298450" lvl="1" marL="914400" marR="0" rtl="0" algn="l">
+              <a:lnSpc>
+                <a:spcPct val="115000"/>
+              </a:lnSpc>
               <a:spcBef>
                 <a:spcPts val="0"/>
               </a:spcBef>
@@ -12669,7 +13122,7 @@
             </a:pPr>
             <a:r>
               <a:rPr lang="en" sz="1300"/>
-              <a:t>Specific recruitment and strict job requirements to ensure deadline is met and quality is sufficient.</a:t>
+              <a:t>Paper menus as backup to keep the restaurant running.</a:t>
             </a:r>
             <a:endParaRPr>
               <a:solidFill>
@@ -12680,6 +13133,21 @@
               <a:cs typeface="Arial"/>
               <a:sym typeface="Arial"/>
             </a:endParaRPr>
+          </a:p>
+          <a:p>
+            <a:pPr indent="0" lvl="0" marL="457200" rtl="0" algn="l">
+              <a:spcBef>
+                <a:spcPts val="0"/>
+              </a:spcBef>
+              <a:spcAft>
+                <a:spcPts val="0"/>
+              </a:spcAft>
+              <a:buNone/>
+            </a:pPr>
+            <a:r>
+              <a:t/>
+            </a:r>
+            <a:endParaRPr/>
           </a:p>
           <a:p>
             <a:pPr indent="0" lvl="0" marL="0" rtl="0" algn="l">
@@ -12707,6 +13175,285 @@
 </file>
 
 <file path=ppt/theme/theme1.xml><?xml version="1.0" encoding="utf-8"?>
+<a:theme xmlns:a="http://schemas.openxmlformats.org/drawingml/2006/main" xmlns:r="http://schemas.openxmlformats.org/officeDocument/2006/relationships">
+  <a:themeElements>
+    <a:clrScheme name="Default">
+      <a:dk1>
+        <a:srgbClr val="000000"/>
+      </a:dk1>
+      <a:lt1>
+        <a:srgbClr val="FFFFFF"/>
+      </a:lt1>
+      <a:dk2>
+        <a:srgbClr val="158158"/>
+      </a:dk2>
+      <a:lt2>
+        <a:srgbClr val="F3F3F3"/>
+      </a:lt2>
+      <a:accent1>
+        <a:srgbClr val="058DC7"/>
+      </a:accent1>
+      <a:accent2>
+        <a:srgbClr val="50B432"/>
+      </a:accent2>
+      <a:accent3>
+        <a:srgbClr val="ED561B"/>
+      </a:accent3>
+      <a:accent4>
+        <a:srgbClr val="EDEF00"/>
+      </a:accent4>
+      <a:accent5>
+        <a:srgbClr val="24CBE5"/>
+      </a:accent5>
+      <a:accent6>
+        <a:srgbClr val="64E572"/>
+      </a:accent6>
+      <a:hlink>
+        <a:srgbClr val="2200CC"/>
+      </a:hlink>
+      <a:folHlink>
+        <a:srgbClr val="551A8B"/>
+      </a:folHlink>
+    </a:clrScheme>
+    <a:fontScheme name="Office">
+      <a:majorFont>
+        <a:latin typeface="Arial"/>
+        <a:ea typeface=""/>
+        <a:cs typeface=""/>
+        <a:font script="Jpan" typeface="ＭＳ Ｐゴシック"/>
+        <a:font script="Hang" typeface="맑은 고딕"/>
+        <a:font script="Hans" typeface="宋体"/>
+        <a:font script="Hant" typeface="新細明體"/>
+        <a:font script="Arab" typeface="Times New Roman"/>
+        <a:font script="Hebr" typeface="Times New Roman"/>
+        <a:font script="Thai" typeface="Angsana New"/>
+        <a:font script="Ethi" typeface="Nyala"/>
+        <a:font script="Beng" typeface="Vrinda"/>
+        <a:font script="Gujr" typeface="Shruti"/>
+        <a:font script="Khmr" typeface="MoolBoran"/>
+        <a:font script="Knda" typeface="Tunga"/>
+        <a:font script="Guru" typeface="Raavi"/>
+        <a:font script="Cans" typeface="Euphemia"/>
+        <a:font script="Cher" typeface="Plantagenet Cherokee"/>
+        <a:font script="Yiii" typeface="Microsoft Yi Baiti"/>
+        <a:font script="Tibt" typeface="Microsoft Himalaya"/>
+        <a:font script="Thaa" typeface="MV Boli"/>
+        <a:font script="Deva" typeface="Mangal"/>
+        <a:font script="Telu" typeface="Gautami"/>
+        <a:font script="Taml" typeface="Latha"/>
+        <a:font script="Syrc" typeface="Estrangelo Edessa"/>
+        <a:font script="Orya" typeface="Kalinga"/>
+        <a:font script="Mlym" typeface="Kartika"/>
+        <a:font script="Laoo" typeface="DokChampa"/>
+        <a:font script="Sinh" typeface="Iskoola Pota"/>
+        <a:font script="Mong" typeface="Mongolian Baiti"/>
+        <a:font script="Viet" typeface="Times New Roman"/>
+        <a:font script="Uigh" typeface="Microsoft Uighur"/>
+        <a:font script="Geor" typeface="Sylfaen"/>
+      </a:majorFont>
+      <a:minorFont>
+        <a:latin typeface="Arial"/>
+        <a:ea typeface=""/>
+        <a:cs typeface=""/>
+        <a:font script="Jpan" typeface="ＭＳ Ｐゴシック"/>
+        <a:font script="Hang" typeface="맑은 고딕"/>
+        <a:font script="Hans" typeface="宋体"/>
+        <a:font script="Hant" typeface="新細明體"/>
+        <a:font script="Arab" typeface="Arial"/>
+        <a:font script="Hebr" typeface="Arial"/>
+        <a:font script="Thai" typeface="Cordia New"/>
+        <a:font script="Ethi" typeface="Nyala"/>
+        <a:font script="Beng" typeface="Vrinda"/>
+        <a:font script="Gujr" typeface="Shruti"/>
+        <a:font script="Khmr" typeface="DaunPenh"/>
+        <a:font script="Knda" typeface="Tunga"/>
+        <a:font script="Guru" typeface="Raavi"/>
+        <a:font script="Cans" typeface="Euphemia"/>
+        <a:font script="Cher" typeface="Plantagenet Cherokee"/>
+        <a:font script="Yiii" typeface="Microsoft Yi Baiti"/>
+        <a:font script="Tibt" typeface="Microsoft Himalaya"/>
+        <a:font script="Thaa" typeface="MV Boli"/>
+        <a:font script="Deva" typeface="Mangal"/>
+        <a:font script="Telu" typeface="Gautami"/>
+        <a:font script="Taml" typeface="Latha"/>
+        <a:font script="Syrc" typeface="Estrangelo Edessa"/>
+        <a:font script="Orya" typeface="Kalinga"/>
+        <a:font script="Mlym" typeface="Kartika"/>
+        <a:font script="Laoo" typeface="DokChampa"/>
+        <a:font script="Sinh" typeface="Iskoola Pota"/>
+        <a:font script="Mong" typeface="Mongolian Baiti"/>
+        <a:font script="Viet" typeface="Arial"/>
+        <a:font script="Uigh" typeface="Microsoft Uighur"/>
+        <a:font script="Geor" typeface="Sylfaen"/>
+      </a:minorFont>
+    </a:fontScheme>
+    <a:fmtScheme name="Office">
+      <a:fillStyleLst>
+        <a:solidFill>
+          <a:schemeClr val="phClr"/>
+        </a:solidFill>
+        <a:gradFill rotWithShape="1">
+          <a:gsLst>
+            <a:gs pos="0">
+              <a:schemeClr val="phClr">
+                <a:tint val="50000"/>
+                <a:satMod val="300000"/>
+              </a:schemeClr>
+            </a:gs>
+            <a:gs pos="35000">
+              <a:schemeClr val="phClr">
+                <a:tint val="37000"/>
+                <a:satMod val="300000"/>
+              </a:schemeClr>
+            </a:gs>
+            <a:gs pos="100000">
+              <a:schemeClr val="phClr">
+                <a:tint val="15000"/>
+                <a:satMod val="350000"/>
+              </a:schemeClr>
+            </a:gs>
+          </a:gsLst>
+          <a:lin ang="16200000" scaled="1"/>
+        </a:gradFill>
+        <a:gradFill rotWithShape="1">
+          <a:gsLst>
+            <a:gs pos="0">
+              <a:schemeClr val="phClr">
+                <a:tint val="100000"/>
+                <a:shade val="100000"/>
+                <a:satMod val="130000"/>
+              </a:schemeClr>
+            </a:gs>
+            <a:gs pos="100000">
+              <a:schemeClr val="phClr">
+                <a:tint val="50000"/>
+                <a:shade val="100000"/>
+                <a:satMod val="350000"/>
+              </a:schemeClr>
+            </a:gs>
+          </a:gsLst>
+          <a:lin ang="16200000" scaled="0"/>
+        </a:gradFill>
+      </a:fillStyleLst>
+      <a:lnStyleLst>
+        <a:ln w="9525" cap="flat" cmpd="sng" algn="ctr">
+          <a:solidFill>
+            <a:schemeClr val="phClr">
+              <a:shade val="95000"/>
+              <a:satMod val="105000"/>
+            </a:schemeClr>
+          </a:solidFill>
+          <a:prstDash val="solid"/>
+        </a:ln>
+        <a:ln w="25400" cap="flat" cmpd="sng" algn="ctr">
+          <a:solidFill>
+            <a:schemeClr val="phClr"/>
+          </a:solidFill>
+          <a:prstDash val="solid"/>
+        </a:ln>
+        <a:ln w="38100" cap="flat" cmpd="sng" algn="ctr">
+          <a:solidFill>
+            <a:schemeClr val="phClr"/>
+          </a:solidFill>
+          <a:prstDash val="solid"/>
+        </a:ln>
+      </a:lnStyleLst>
+      <a:effectStyleLst>
+        <a:effectStyle>
+          <a:effectLst>
+            <a:outerShdw blurRad="40000" dist="20000" dir="5400000" rotWithShape="0">
+              <a:srgbClr val="000000">
+                <a:alpha val="38000"/>
+              </a:srgbClr>
+            </a:outerShdw>
+          </a:effectLst>
+        </a:effectStyle>
+        <a:effectStyle>
+          <a:effectLst>
+            <a:outerShdw blurRad="40000" dist="23000" dir="5400000" rotWithShape="0">
+              <a:srgbClr val="000000">
+                <a:alpha val="35000"/>
+              </a:srgbClr>
+            </a:outerShdw>
+          </a:effectLst>
+        </a:effectStyle>
+        <a:effectStyle>
+          <a:effectLst>
+            <a:outerShdw blurRad="40000" dist="23000" dir="5400000" rotWithShape="0">
+              <a:srgbClr val="000000">
+                <a:alpha val="35000"/>
+              </a:srgbClr>
+            </a:outerShdw>
+          </a:effectLst>
+          <a:scene3d>
+            <a:camera prst="orthographicFront">
+              <a:rot lat="0" lon="0" rev="0"/>
+            </a:camera>
+            <a:lightRig rig="threePt" dir="t">
+              <a:rot lat="0" lon="0" rev="1200000"/>
+            </a:lightRig>
+          </a:scene3d>
+          <a:sp3d>
+            <a:bevelT w="63500" h="25400"/>
+          </a:sp3d>
+        </a:effectStyle>
+      </a:effectStyleLst>
+      <a:bgFillStyleLst>
+        <a:solidFill>
+          <a:schemeClr val="phClr"/>
+        </a:solidFill>
+        <a:gradFill rotWithShape="1">
+          <a:gsLst>
+            <a:gs pos="0">
+              <a:schemeClr val="phClr">
+                <a:tint val="40000"/>
+                <a:satMod val="350000"/>
+              </a:schemeClr>
+            </a:gs>
+            <a:gs pos="40000">
+              <a:schemeClr val="phClr">
+                <a:tint val="45000"/>
+                <a:shade val="99000"/>
+                <a:satMod val="350000"/>
+              </a:schemeClr>
+            </a:gs>
+            <a:gs pos="100000">
+              <a:schemeClr val="phClr">
+                <a:shade val="20000"/>
+                <a:satMod val="255000"/>
+              </a:schemeClr>
+            </a:gs>
+          </a:gsLst>
+          <a:path path="circle">
+            <a:fillToRect l="50000" t="-80000" r="50000" b="180000"/>
+          </a:path>
+        </a:gradFill>
+        <a:gradFill rotWithShape="1">
+          <a:gsLst>
+            <a:gs pos="0">
+              <a:schemeClr val="phClr">
+                <a:tint val="80000"/>
+                <a:satMod val="300000"/>
+              </a:schemeClr>
+            </a:gs>
+            <a:gs pos="100000">
+              <a:schemeClr val="phClr">
+                <a:shade val="30000"/>
+                <a:satMod val="200000"/>
+              </a:schemeClr>
+            </a:gs>
+          </a:gsLst>
+          <a:path path="circle">
+            <a:fillToRect l="50000" t="50000" r="50000" b="50000"/>
+          </a:path>
+        </a:gradFill>
+      </a:bgFillStyleLst>
+    </a:fmtScheme>
+  </a:themeElements>
+</a:theme>
+</file>
+
+<file path=ppt/theme/theme2.xml><?xml version="1.0" encoding="utf-8"?>
 <a:theme xmlns:a="http://schemas.openxmlformats.org/drawingml/2006/main" xmlns:r="http://schemas.openxmlformats.org/officeDocument/2006/relationships" name="Focus">
   <a:themeElements>
     <a:clrScheme name="Focus">
@@ -12983,283 +13730,4 @@
     </a:fmtScheme>
   </a:themeElements>
 </a:theme>
-</file>
-
-<file path=ppt/theme/theme2.xml><?xml version="1.0" encoding="utf-8"?>
-<a:theme xmlns:a="http://schemas.openxmlformats.org/drawingml/2006/main" xmlns:r="http://schemas.openxmlformats.org/officeDocument/2006/relationships">
-  <a:themeElements>
-    <a:clrScheme name="Default">
-      <a:dk1>
-        <a:srgbClr val="000000"/>
-      </a:dk1>
-      <a:lt1>
-        <a:srgbClr val="FFFFFF"/>
-      </a:lt1>
-      <a:dk2>
-        <a:srgbClr val="158158"/>
-      </a:dk2>
-      <a:lt2>
-        <a:srgbClr val="F3F3F3"/>
-      </a:lt2>
-      <a:accent1>
-        <a:srgbClr val="058DC7"/>
-      </a:accent1>
-      <a:accent2>
-        <a:srgbClr val="50B432"/>
-      </a:accent2>
-      <a:accent3>
-        <a:srgbClr val="ED561B"/>
-      </a:accent3>
-      <a:accent4>
-        <a:srgbClr val="EDEF00"/>
-      </a:accent4>
-      <a:accent5>
-        <a:srgbClr val="24CBE5"/>
-      </a:accent5>
-      <a:accent6>
-        <a:srgbClr val="64E572"/>
-      </a:accent6>
-      <a:hlink>
-        <a:srgbClr val="2200CC"/>
-      </a:hlink>
-      <a:folHlink>
-        <a:srgbClr val="551A8B"/>
-      </a:folHlink>
-    </a:clrScheme>
-    <a:fontScheme name="Office">
-      <a:majorFont>
-        <a:latin typeface="Arial"/>
-        <a:ea typeface=""/>
-        <a:cs typeface=""/>
-        <a:font script="Jpan" typeface="ＭＳ Ｐゴシック"/>
-        <a:font script="Hang" typeface="맑은 고딕"/>
-        <a:font script="Hans" typeface="宋体"/>
-        <a:font script="Hant" typeface="新細明體"/>
-        <a:font script="Arab" typeface="Times New Roman"/>
-        <a:font script="Hebr" typeface="Times New Roman"/>
-        <a:font script="Thai" typeface="Angsana New"/>
-        <a:font script="Ethi" typeface="Nyala"/>
-        <a:font script="Beng" typeface="Vrinda"/>
-        <a:font script="Gujr" typeface="Shruti"/>
-        <a:font script="Khmr" typeface="MoolBoran"/>
-        <a:font script="Knda" typeface="Tunga"/>
-        <a:font script="Guru" typeface="Raavi"/>
-        <a:font script="Cans" typeface="Euphemia"/>
-        <a:font script="Cher" typeface="Plantagenet Cherokee"/>
-        <a:font script="Yiii" typeface="Microsoft Yi Baiti"/>
-        <a:font script="Tibt" typeface="Microsoft Himalaya"/>
-        <a:font script="Thaa" typeface="MV Boli"/>
-        <a:font script="Deva" typeface="Mangal"/>
-        <a:font script="Telu" typeface="Gautami"/>
-        <a:font script="Taml" typeface="Latha"/>
-        <a:font script="Syrc" typeface="Estrangelo Edessa"/>
-        <a:font script="Orya" typeface="Kalinga"/>
-        <a:font script="Mlym" typeface="Kartika"/>
-        <a:font script="Laoo" typeface="DokChampa"/>
-        <a:font script="Sinh" typeface="Iskoola Pota"/>
-        <a:font script="Mong" typeface="Mongolian Baiti"/>
-        <a:font script="Viet" typeface="Times New Roman"/>
-        <a:font script="Uigh" typeface="Microsoft Uighur"/>
-        <a:font script="Geor" typeface="Sylfaen"/>
-      </a:majorFont>
-      <a:minorFont>
-        <a:latin typeface="Arial"/>
-        <a:ea typeface=""/>
-        <a:cs typeface=""/>
-        <a:font script="Jpan" typeface="ＭＳ Ｐゴシック"/>
-        <a:font script="Hang" typeface="맑은 고딕"/>
-        <a:font script="Hans" typeface="宋体"/>
-        <a:font script="Hant" typeface="新細明體"/>
-        <a:font script="Arab" typeface="Arial"/>
-        <a:font script="Hebr" typeface="Arial"/>
-        <a:font script="Thai" typeface="Cordia New"/>
-        <a:font script="Ethi" typeface="Nyala"/>
-        <a:font script="Beng" typeface="Vrinda"/>
-        <a:font script="Gujr" typeface="Shruti"/>
-        <a:font script="Khmr" typeface="DaunPenh"/>
-        <a:font script="Knda" typeface="Tunga"/>
-        <a:font script="Guru" typeface="Raavi"/>
-        <a:font script="Cans" typeface="Euphemia"/>
-        <a:font script="Cher" typeface="Plantagenet Cherokee"/>
-        <a:font script="Yiii" typeface="Microsoft Yi Baiti"/>
-        <a:font script="Tibt" typeface="Microsoft Himalaya"/>
-        <a:font script="Thaa" typeface="MV Boli"/>
-        <a:font script="Deva" typeface="Mangal"/>
-        <a:font script="Telu" typeface="Gautami"/>
-        <a:font script="Taml" typeface="Latha"/>
-        <a:font script="Syrc" typeface="Estrangelo Edessa"/>
-        <a:font script="Orya" typeface="Kalinga"/>
-        <a:font script="Mlym" typeface="Kartika"/>
-        <a:font script="Laoo" typeface="DokChampa"/>
-        <a:font script="Sinh" typeface="Iskoola Pota"/>
-        <a:font script="Mong" typeface="Mongolian Baiti"/>
-        <a:font script="Viet" typeface="Arial"/>
-        <a:font script="Uigh" typeface="Microsoft Uighur"/>
-        <a:font script="Geor" typeface="Sylfaen"/>
-      </a:minorFont>
-    </a:fontScheme>
-    <a:fmtScheme name="Office">
-      <a:fillStyleLst>
-        <a:solidFill>
-          <a:schemeClr val="phClr"/>
-        </a:solidFill>
-        <a:gradFill rotWithShape="1">
-          <a:gsLst>
-            <a:gs pos="0">
-              <a:schemeClr val="phClr">
-                <a:tint val="50000"/>
-                <a:satMod val="300000"/>
-              </a:schemeClr>
-            </a:gs>
-            <a:gs pos="35000">
-              <a:schemeClr val="phClr">
-                <a:tint val="37000"/>
-                <a:satMod val="300000"/>
-              </a:schemeClr>
-            </a:gs>
-            <a:gs pos="100000">
-              <a:schemeClr val="phClr">
-                <a:tint val="15000"/>
-                <a:satMod val="350000"/>
-              </a:schemeClr>
-            </a:gs>
-          </a:gsLst>
-          <a:lin ang="16200000" scaled="1"/>
-        </a:gradFill>
-        <a:gradFill rotWithShape="1">
-          <a:gsLst>
-            <a:gs pos="0">
-              <a:schemeClr val="phClr">
-                <a:tint val="100000"/>
-                <a:shade val="100000"/>
-                <a:satMod val="130000"/>
-              </a:schemeClr>
-            </a:gs>
-            <a:gs pos="100000">
-              <a:schemeClr val="phClr">
-                <a:tint val="50000"/>
-                <a:shade val="100000"/>
-                <a:satMod val="350000"/>
-              </a:schemeClr>
-            </a:gs>
-          </a:gsLst>
-          <a:lin ang="16200000" scaled="0"/>
-        </a:gradFill>
-      </a:fillStyleLst>
-      <a:lnStyleLst>
-        <a:ln w="9525" cap="flat" cmpd="sng" algn="ctr">
-          <a:solidFill>
-            <a:schemeClr val="phClr">
-              <a:shade val="95000"/>
-              <a:satMod val="105000"/>
-            </a:schemeClr>
-          </a:solidFill>
-          <a:prstDash val="solid"/>
-        </a:ln>
-        <a:ln w="25400" cap="flat" cmpd="sng" algn="ctr">
-          <a:solidFill>
-            <a:schemeClr val="phClr"/>
-          </a:solidFill>
-          <a:prstDash val="solid"/>
-        </a:ln>
-        <a:ln w="38100" cap="flat" cmpd="sng" algn="ctr">
-          <a:solidFill>
-            <a:schemeClr val="phClr"/>
-          </a:solidFill>
-          <a:prstDash val="solid"/>
-        </a:ln>
-      </a:lnStyleLst>
-      <a:effectStyleLst>
-        <a:effectStyle>
-          <a:effectLst>
-            <a:outerShdw blurRad="40000" dist="20000" dir="5400000" rotWithShape="0">
-              <a:srgbClr val="000000">
-                <a:alpha val="38000"/>
-              </a:srgbClr>
-            </a:outerShdw>
-          </a:effectLst>
-        </a:effectStyle>
-        <a:effectStyle>
-          <a:effectLst>
-            <a:outerShdw blurRad="40000" dist="23000" dir="5400000" rotWithShape="0">
-              <a:srgbClr val="000000">
-                <a:alpha val="35000"/>
-              </a:srgbClr>
-            </a:outerShdw>
-          </a:effectLst>
-        </a:effectStyle>
-        <a:effectStyle>
-          <a:effectLst>
-            <a:outerShdw blurRad="40000" dist="23000" dir="5400000" rotWithShape="0">
-              <a:srgbClr val="000000">
-                <a:alpha val="35000"/>
-              </a:srgbClr>
-            </a:outerShdw>
-          </a:effectLst>
-          <a:scene3d>
-            <a:camera prst="orthographicFront">
-              <a:rot lat="0" lon="0" rev="0"/>
-            </a:camera>
-            <a:lightRig rig="threePt" dir="t">
-              <a:rot lat="0" lon="0" rev="1200000"/>
-            </a:lightRig>
-          </a:scene3d>
-          <a:sp3d>
-            <a:bevelT w="63500" h="25400"/>
-          </a:sp3d>
-        </a:effectStyle>
-      </a:effectStyleLst>
-      <a:bgFillStyleLst>
-        <a:solidFill>
-          <a:schemeClr val="phClr"/>
-        </a:solidFill>
-        <a:gradFill rotWithShape="1">
-          <a:gsLst>
-            <a:gs pos="0">
-              <a:schemeClr val="phClr">
-                <a:tint val="40000"/>
-                <a:satMod val="350000"/>
-              </a:schemeClr>
-            </a:gs>
-            <a:gs pos="40000">
-              <a:schemeClr val="phClr">
-                <a:tint val="45000"/>
-                <a:shade val="99000"/>
-                <a:satMod val="350000"/>
-              </a:schemeClr>
-            </a:gs>
-            <a:gs pos="100000">
-              <a:schemeClr val="phClr">
-                <a:shade val="20000"/>
-                <a:satMod val="255000"/>
-              </a:schemeClr>
-            </a:gs>
-          </a:gsLst>
-          <a:path path="circle">
-            <a:fillToRect l="50000" t="-80000" r="50000" b="180000"/>
-          </a:path>
-        </a:gradFill>
-        <a:gradFill rotWithShape="1">
-          <a:gsLst>
-            <a:gs pos="0">
-              <a:schemeClr val="phClr">
-                <a:tint val="80000"/>
-                <a:satMod val="300000"/>
-              </a:schemeClr>
-            </a:gs>
-            <a:gs pos="100000">
-              <a:schemeClr val="phClr">
-                <a:shade val="30000"/>
-                <a:satMod val="200000"/>
-              </a:schemeClr>
-            </a:gs>
-          </a:gsLst>
-          <a:path path="circle">
-            <a:fillToRect l="50000" t="50000" r="50000" b="50000"/>
-          </a:path>
-        </a:gradFill>
-      </a:bgFillStyleLst>
-    </a:fmtScheme>
-  </a:themeElements>
-</a:theme>
 </file>